--- a/Presentation.pptx
+++ b/Presentation.pptx
@@ -5,7 +5,7 @@
     <p:sldMasterId id="2147483660" r:id="rId1"/>
   </p:sldMasterIdLst>
   <p:notesMasterIdLst>
-    <p:notesMasterId r:id="rId8"/>
+    <p:notesMasterId r:id="rId9"/>
   </p:notesMasterIdLst>
   <p:sldIdLst>
     <p:sldId id="256" r:id="rId2"/>
@@ -14,6 +14,7 @@
     <p:sldId id="258" r:id="rId5"/>
     <p:sldId id="259" r:id="rId6"/>
     <p:sldId id="260" r:id="rId7"/>
+    <p:sldId id="262" r:id="rId8"/>
   </p:sldIdLst>
   <p:sldSz cx="12188825" cy="6858000"/>
   <p:notesSz cx="6858000" cy="9144000"/>
@@ -112,6 +113,22 @@
       </a:defRPr>
     </a:lvl9pPr>
   </p:defaultTextStyle>
+  <p:extLst>
+    <p:ext uri="{EFAFB233-063F-42B5-8137-9DF3F51BA10A}">
+      <p15:sldGuideLst xmlns:p15="http://schemas.microsoft.com/office/powerpoint/2012/main">
+        <p15:guide id="1" orient="horz" pos="2160">
+          <p15:clr>
+            <a:srgbClr val="A4A3A4"/>
+          </p15:clr>
+        </p15:guide>
+        <p15:guide id="2" pos="3839">
+          <p15:clr>
+            <a:srgbClr val="A4A3A4"/>
+          </p15:clr>
+        </p15:guide>
+      </p15:sldGuideLst>
+    </p:ext>
+  </p:extLst>
 </p:presentation>
 </file>
 
@@ -263,38 +280,37 @@
           <a:p>
             <a:pPr lvl="0"/>
             <a:r>
-              <a:rPr lang="en-US" smtClean="0"/>
+              <a:rPr lang="en-US"/>
               <a:t>Click to edit Master text styles</a:t>
             </a:r>
           </a:p>
           <a:p>
             <a:pPr lvl="1"/>
             <a:r>
-              <a:rPr lang="en-US" smtClean="0"/>
+              <a:rPr lang="en-US"/>
               <a:t>Second level</a:t>
             </a:r>
           </a:p>
           <a:p>
             <a:pPr lvl="2"/>
             <a:r>
-              <a:rPr lang="en-US" smtClean="0"/>
+              <a:rPr lang="en-US"/>
               <a:t>Third level</a:t>
             </a:r>
           </a:p>
           <a:p>
             <a:pPr lvl="3"/>
             <a:r>
-              <a:rPr lang="en-US" smtClean="0"/>
+              <a:rPr lang="en-US"/>
               <a:t>Fourth level</a:t>
             </a:r>
           </a:p>
           <a:p>
             <a:pPr lvl="4"/>
             <a:r>
-              <a:rPr lang="en-US" smtClean="0"/>
+              <a:rPr lang="en-US"/>
               <a:t>Fifth level</a:t>
             </a:r>
-            <a:endParaRPr lang="en-US"/>
           </a:p>
         </p:txBody>
       </p:sp>
@@ -500,10 +516,9 @@
           <a:lstStyle/>
           <a:p>
             <a:r>
-              <a:rPr lang="en-US" smtClean="0"/>
+              <a:rPr lang="en-US"/>
               <a:t>Click to edit Master title style</a:t>
             </a:r>
-            <a:endParaRPr lang="en-US"/>
           </a:p>
         </p:txBody>
       </p:sp>
@@ -619,10 +634,9 @@
           </a:lstStyle>
           <a:p>
             <a:r>
-              <a:rPr lang="en-US" smtClean="0"/>
+              <a:rPr lang="en-US"/>
               <a:t>Click to edit Master subtitle style</a:t>
             </a:r>
-            <a:endParaRPr lang="en-US"/>
           </a:p>
         </p:txBody>
       </p:sp>
@@ -734,10 +748,9 @@
           <a:lstStyle/>
           <a:p>
             <a:r>
-              <a:rPr lang="en-US" smtClean="0"/>
+              <a:rPr lang="en-US"/>
               <a:t>Click to edit Master title style</a:t>
             </a:r>
-            <a:endParaRPr lang="en-US"/>
           </a:p>
         </p:txBody>
       </p:sp>
@@ -758,38 +771,37 @@
           <a:p>
             <a:pPr lvl="0"/>
             <a:r>
-              <a:rPr lang="en-US" smtClean="0"/>
+              <a:rPr lang="en-US"/>
               <a:t>Click to edit Master text styles</a:t>
             </a:r>
           </a:p>
           <a:p>
             <a:pPr lvl="1"/>
             <a:r>
-              <a:rPr lang="en-US" smtClean="0"/>
+              <a:rPr lang="en-US"/>
               <a:t>Second level</a:t>
             </a:r>
           </a:p>
           <a:p>
             <a:pPr lvl="2"/>
             <a:r>
-              <a:rPr lang="en-US" smtClean="0"/>
+              <a:rPr lang="en-US"/>
               <a:t>Third level</a:t>
             </a:r>
           </a:p>
           <a:p>
             <a:pPr lvl="3"/>
             <a:r>
-              <a:rPr lang="en-US" smtClean="0"/>
+              <a:rPr lang="en-US"/>
               <a:t>Fourth level</a:t>
             </a:r>
           </a:p>
           <a:p>
             <a:pPr lvl="4"/>
             <a:r>
-              <a:rPr lang="en-US" smtClean="0"/>
+              <a:rPr lang="en-US"/>
               <a:t>Fifth level</a:t>
             </a:r>
-            <a:endParaRPr lang="en-US"/>
           </a:p>
         </p:txBody>
       </p:sp>
@@ -906,10 +918,9 @@
           <a:lstStyle/>
           <a:p>
             <a:r>
-              <a:rPr lang="en-US" smtClean="0"/>
+              <a:rPr lang="en-US"/>
               <a:t>Click to edit Master title style</a:t>
             </a:r>
-            <a:endParaRPr lang="en-US"/>
           </a:p>
         </p:txBody>
       </p:sp>
@@ -935,38 +946,37 @@
           <a:p>
             <a:pPr lvl="0"/>
             <a:r>
-              <a:rPr lang="en-US" smtClean="0"/>
+              <a:rPr lang="en-US"/>
               <a:t>Click to edit Master text styles</a:t>
             </a:r>
           </a:p>
           <a:p>
             <a:pPr lvl="1"/>
             <a:r>
-              <a:rPr lang="en-US" smtClean="0"/>
+              <a:rPr lang="en-US"/>
               <a:t>Second level</a:t>
             </a:r>
           </a:p>
           <a:p>
             <a:pPr lvl="2"/>
             <a:r>
-              <a:rPr lang="en-US" smtClean="0"/>
+              <a:rPr lang="en-US"/>
               <a:t>Third level</a:t>
             </a:r>
           </a:p>
           <a:p>
             <a:pPr lvl="3"/>
             <a:r>
-              <a:rPr lang="en-US" smtClean="0"/>
+              <a:rPr lang="en-US"/>
               <a:t>Fourth level</a:t>
             </a:r>
           </a:p>
           <a:p>
             <a:pPr lvl="4"/>
             <a:r>
-              <a:rPr lang="en-US" smtClean="0"/>
+              <a:rPr lang="en-US"/>
               <a:t>Fifth level</a:t>
             </a:r>
-            <a:endParaRPr lang="en-US"/>
           </a:p>
         </p:txBody>
       </p:sp>
@@ -1078,10 +1088,9 @@
           <a:lstStyle/>
           <a:p>
             <a:r>
-              <a:rPr lang="en-US" smtClean="0"/>
+              <a:rPr lang="en-US"/>
               <a:t>Click to edit Master title style</a:t>
             </a:r>
-            <a:endParaRPr lang="en-US"/>
           </a:p>
         </p:txBody>
       </p:sp>
@@ -1102,38 +1111,37 @@
           <a:p>
             <a:pPr lvl="0"/>
             <a:r>
-              <a:rPr lang="en-US" smtClean="0"/>
+              <a:rPr lang="en-US"/>
               <a:t>Click to edit Master text styles</a:t>
             </a:r>
           </a:p>
           <a:p>
             <a:pPr lvl="1"/>
             <a:r>
-              <a:rPr lang="en-US" smtClean="0"/>
+              <a:rPr lang="en-US"/>
               <a:t>Second level</a:t>
             </a:r>
           </a:p>
           <a:p>
             <a:pPr lvl="2"/>
             <a:r>
-              <a:rPr lang="en-US" smtClean="0"/>
+              <a:rPr lang="en-US"/>
               <a:t>Third level</a:t>
             </a:r>
           </a:p>
           <a:p>
             <a:pPr lvl="3"/>
             <a:r>
-              <a:rPr lang="en-US" smtClean="0"/>
+              <a:rPr lang="en-US"/>
               <a:t>Fourth level</a:t>
             </a:r>
           </a:p>
           <a:p>
             <a:pPr lvl="4"/>
             <a:r>
-              <a:rPr lang="en-US" smtClean="0"/>
+              <a:rPr lang="en-US"/>
               <a:t>Fifth level</a:t>
             </a:r>
-            <a:endParaRPr lang="en-US"/>
           </a:p>
         </p:txBody>
       </p:sp>
@@ -1254,10 +1262,9 @@
           </a:lstStyle>
           <a:p>
             <a:r>
-              <a:rPr lang="en-US" smtClean="0"/>
+              <a:rPr lang="en-US"/>
               <a:t>Click to edit Master title style</a:t>
             </a:r>
-            <a:endParaRPr lang="en-US"/>
           </a:p>
         </p:txBody>
       </p:sp>
@@ -1374,7 +1381,7 @@
           <a:p>
             <a:pPr lvl="0"/>
             <a:r>
-              <a:rPr lang="en-US" smtClean="0"/>
+              <a:rPr lang="en-US"/>
               <a:t>Click to edit Master text styles</a:t>
             </a:r>
           </a:p>
@@ -1488,10 +1495,9 @@
           <a:lstStyle/>
           <a:p>
             <a:r>
-              <a:rPr lang="en-US" smtClean="0"/>
+              <a:rPr lang="en-US"/>
               <a:t>Click to edit Master title style</a:t>
             </a:r>
-            <a:endParaRPr lang="en-US"/>
           </a:p>
         </p:txBody>
       </p:sp>
@@ -1545,38 +1551,37 @@
           <a:p>
             <a:pPr lvl="0"/>
             <a:r>
-              <a:rPr lang="en-US" smtClean="0"/>
+              <a:rPr lang="en-US"/>
               <a:t>Click to edit Master text styles</a:t>
             </a:r>
           </a:p>
           <a:p>
             <a:pPr lvl="1"/>
             <a:r>
-              <a:rPr lang="en-US" smtClean="0"/>
+              <a:rPr lang="en-US"/>
               <a:t>Second level</a:t>
             </a:r>
           </a:p>
           <a:p>
             <a:pPr lvl="2"/>
             <a:r>
-              <a:rPr lang="en-US" smtClean="0"/>
+              <a:rPr lang="en-US"/>
               <a:t>Third level</a:t>
             </a:r>
           </a:p>
           <a:p>
             <a:pPr lvl="3"/>
             <a:r>
-              <a:rPr lang="en-US" smtClean="0"/>
+              <a:rPr lang="en-US"/>
               <a:t>Fourth level</a:t>
             </a:r>
           </a:p>
           <a:p>
             <a:pPr lvl="4"/>
             <a:r>
-              <a:rPr lang="en-US" smtClean="0"/>
+              <a:rPr lang="en-US"/>
               <a:t>Fifth level</a:t>
             </a:r>
-            <a:endParaRPr lang="en-US"/>
           </a:p>
         </p:txBody>
       </p:sp>
@@ -1630,38 +1635,37 @@
           <a:p>
             <a:pPr lvl="0"/>
             <a:r>
-              <a:rPr lang="en-US" smtClean="0"/>
+              <a:rPr lang="en-US"/>
               <a:t>Click to edit Master text styles</a:t>
             </a:r>
           </a:p>
           <a:p>
             <a:pPr lvl="1"/>
             <a:r>
-              <a:rPr lang="en-US" smtClean="0"/>
+              <a:rPr lang="en-US"/>
               <a:t>Second level</a:t>
             </a:r>
           </a:p>
           <a:p>
             <a:pPr lvl="2"/>
             <a:r>
-              <a:rPr lang="en-US" smtClean="0"/>
+              <a:rPr lang="en-US"/>
               <a:t>Third level</a:t>
             </a:r>
           </a:p>
           <a:p>
             <a:pPr lvl="3"/>
             <a:r>
-              <a:rPr lang="en-US" smtClean="0"/>
+              <a:rPr lang="en-US"/>
               <a:t>Fourth level</a:t>
             </a:r>
           </a:p>
           <a:p>
             <a:pPr lvl="4"/>
             <a:r>
-              <a:rPr lang="en-US" smtClean="0"/>
+              <a:rPr lang="en-US"/>
               <a:t>Fifth level</a:t>
             </a:r>
-            <a:endParaRPr lang="en-US"/>
           </a:p>
         </p:txBody>
       </p:sp>
@@ -1777,10 +1781,9 @@
           </a:lstStyle>
           <a:p>
             <a:r>
-              <a:rPr lang="en-US" smtClean="0"/>
+              <a:rPr lang="en-US"/>
               <a:t>Click to edit Master title style</a:t>
             </a:r>
-            <a:endParaRPr lang="en-US"/>
           </a:p>
         </p:txBody>
       </p:sp>
@@ -1843,7 +1846,7 @@
           <a:p>
             <a:pPr lvl="0"/>
             <a:r>
-              <a:rPr lang="en-US" smtClean="0"/>
+              <a:rPr lang="en-US"/>
               <a:t>Click to edit Master text styles</a:t>
             </a:r>
           </a:p>
@@ -1899,38 +1902,37 @@
           <a:p>
             <a:pPr lvl="0"/>
             <a:r>
-              <a:rPr lang="en-US" smtClean="0"/>
+              <a:rPr lang="en-US"/>
               <a:t>Click to edit Master text styles</a:t>
             </a:r>
           </a:p>
           <a:p>
             <a:pPr lvl="1"/>
             <a:r>
-              <a:rPr lang="en-US" smtClean="0"/>
+              <a:rPr lang="en-US"/>
               <a:t>Second level</a:t>
             </a:r>
           </a:p>
           <a:p>
             <a:pPr lvl="2"/>
             <a:r>
-              <a:rPr lang="en-US" smtClean="0"/>
+              <a:rPr lang="en-US"/>
               <a:t>Third level</a:t>
             </a:r>
           </a:p>
           <a:p>
             <a:pPr lvl="3"/>
             <a:r>
-              <a:rPr lang="en-US" smtClean="0"/>
+              <a:rPr lang="en-US"/>
               <a:t>Fourth level</a:t>
             </a:r>
           </a:p>
           <a:p>
             <a:pPr lvl="4"/>
             <a:r>
-              <a:rPr lang="en-US" smtClean="0"/>
+              <a:rPr lang="en-US"/>
               <a:t>Fifth level</a:t>
             </a:r>
-            <a:endParaRPr lang="en-US"/>
           </a:p>
         </p:txBody>
       </p:sp>
@@ -1993,7 +1995,7 @@
           <a:p>
             <a:pPr lvl="0"/>
             <a:r>
-              <a:rPr lang="en-US" smtClean="0"/>
+              <a:rPr lang="en-US"/>
               <a:t>Click to edit Master text styles</a:t>
             </a:r>
           </a:p>
@@ -2049,38 +2051,37 @@
           <a:p>
             <a:pPr lvl="0"/>
             <a:r>
-              <a:rPr lang="en-US" smtClean="0"/>
+              <a:rPr lang="en-US"/>
               <a:t>Click to edit Master text styles</a:t>
             </a:r>
           </a:p>
           <a:p>
             <a:pPr lvl="1"/>
             <a:r>
-              <a:rPr lang="en-US" smtClean="0"/>
+              <a:rPr lang="en-US"/>
               <a:t>Second level</a:t>
             </a:r>
           </a:p>
           <a:p>
             <a:pPr lvl="2"/>
             <a:r>
-              <a:rPr lang="en-US" smtClean="0"/>
+              <a:rPr lang="en-US"/>
               <a:t>Third level</a:t>
             </a:r>
           </a:p>
           <a:p>
             <a:pPr lvl="3"/>
             <a:r>
-              <a:rPr lang="en-US" smtClean="0"/>
+              <a:rPr lang="en-US"/>
               <a:t>Fourth level</a:t>
             </a:r>
           </a:p>
           <a:p>
             <a:pPr lvl="4"/>
             <a:r>
-              <a:rPr lang="en-US" smtClean="0"/>
+              <a:rPr lang="en-US"/>
               <a:t>Fifth level</a:t>
             </a:r>
-            <a:endParaRPr lang="en-US"/>
           </a:p>
         </p:txBody>
       </p:sp>
@@ -2192,10 +2193,9 @@
           <a:lstStyle/>
           <a:p>
             <a:r>
-              <a:rPr lang="en-US" smtClean="0"/>
+              <a:rPr lang="en-US"/>
               <a:t>Click to edit Master title style</a:t>
             </a:r>
-            <a:endParaRPr lang="en-US"/>
           </a:p>
         </p:txBody>
       </p:sp>
@@ -2408,10 +2408,9 @@
           </a:lstStyle>
           <a:p>
             <a:r>
-              <a:rPr lang="en-US" smtClean="0"/>
+              <a:rPr lang="en-US"/>
               <a:t>Click to edit Master title style</a:t>
             </a:r>
-            <a:endParaRPr lang="en-US"/>
           </a:p>
         </p:txBody>
       </p:sp>
@@ -2465,38 +2464,37 @@
           <a:p>
             <a:pPr lvl="0"/>
             <a:r>
-              <a:rPr lang="en-US" smtClean="0"/>
+              <a:rPr lang="en-US"/>
               <a:t>Click to edit Master text styles</a:t>
             </a:r>
           </a:p>
           <a:p>
             <a:pPr lvl="1"/>
             <a:r>
-              <a:rPr lang="en-US" smtClean="0"/>
+              <a:rPr lang="en-US"/>
               <a:t>Second level</a:t>
             </a:r>
           </a:p>
           <a:p>
             <a:pPr lvl="2"/>
             <a:r>
-              <a:rPr lang="en-US" smtClean="0"/>
+              <a:rPr lang="en-US"/>
               <a:t>Third level</a:t>
             </a:r>
           </a:p>
           <a:p>
             <a:pPr lvl="3"/>
             <a:r>
-              <a:rPr lang="en-US" smtClean="0"/>
+              <a:rPr lang="en-US"/>
               <a:t>Fourth level</a:t>
             </a:r>
           </a:p>
           <a:p>
             <a:pPr lvl="4"/>
             <a:r>
-              <a:rPr lang="en-US" smtClean="0"/>
+              <a:rPr lang="en-US"/>
               <a:t>Fifth level</a:t>
             </a:r>
-            <a:endParaRPr lang="en-US"/>
           </a:p>
         </p:txBody>
       </p:sp>
@@ -2559,7 +2557,7 @@
           <a:p>
             <a:pPr lvl="0"/>
             <a:r>
-              <a:rPr lang="en-US" smtClean="0"/>
+              <a:rPr lang="en-US"/>
               <a:t>Click to edit Master text styles</a:t>
             </a:r>
           </a:p>
@@ -2682,10 +2680,9 @@
           </a:lstStyle>
           <a:p>
             <a:r>
-              <a:rPr lang="en-US" smtClean="0"/>
+              <a:rPr lang="en-US"/>
               <a:t>Click to edit Master title style</a:t>
             </a:r>
-            <a:endParaRPr lang="en-US"/>
           </a:p>
         </p:txBody>
       </p:sp>
@@ -2809,7 +2806,7 @@
           <a:p>
             <a:pPr lvl="0"/>
             <a:r>
-              <a:rPr lang="en-US" smtClean="0"/>
+              <a:rPr lang="en-US"/>
               <a:t>Click to edit Master text styles</a:t>
             </a:r>
           </a:p>
@@ -2938,10 +2935,9 @@
           <a:lstStyle/>
           <a:p>
             <a:r>
-              <a:rPr lang="en-US" smtClean="0"/>
+              <a:rPr lang="en-US"/>
               <a:t>Click to edit Master title style</a:t>
             </a:r>
-            <a:endParaRPr lang="en-US"/>
           </a:p>
         </p:txBody>
       </p:sp>
@@ -2972,38 +2968,37 @@
           <a:p>
             <a:pPr lvl="0"/>
             <a:r>
-              <a:rPr lang="en-US" smtClean="0"/>
+              <a:rPr lang="en-US"/>
               <a:t>Click to edit Master text styles</a:t>
             </a:r>
           </a:p>
           <a:p>
             <a:pPr lvl="1"/>
             <a:r>
-              <a:rPr lang="en-US" smtClean="0"/>
+              <a:rPr lang="en-US"/>
               <a:t>Second level</a:t>
             </a:r>
           </a:p>
           <a:p>
             <a:pPr lvl="2"/>
             <a:r>
-              <a:rPr lang="en-US" smtClean="0"/>
+              <a:rPr lang="en-US"/>
               <a:t>Third level</a:t>
             </a:r>
           </a:p>
           <a:p>
             <a:pPr lvl="3"/>
             <a:r>
-              <a:rPr lang="en-US" smtClean="0"/>
+              <a:rPr lang="en-US"/>
               <a:t>Fourth level</a:t>
             </a:r>
           </a:p>
           <a:p>
             <a:pPr lvl="4"/>
             <a:r>
-              <a:rPr lang="en-US" smtClean="0"/>
+              <a:rPr lang="en-US"/>
               <a:t>Fifth level</a:t>
             </a:r>
-            <a:endParaRPr lang="en-US"/>
           </a:p>
         </p:txBody>
       </p:sp>
@@ -3419,7 +3414,7 @@
           <p:cNvPr id="34" name="Oval 33">
             <a:extLst>
               <a:ext uri="{FF2B5EF4-FFF2-40B4-BE49-F238E27FC236}">
-                <a16:creationId xmlns:a16="http://schemas.microsoft.com/office/drawing/2014/main" xmlns="" id="{46A4DDE6-ED2C-4311-8BB1-496508E244F9}"/>
+                <a16:creationId xmlns:a16="http://schemas.microsoft.com/office/drawing/2014/main" id="{46A4DDE6-ED2C-4311-8BB1-496508E244F9}"/>
               </a:ext>
             </a:extLst>
           </p:cNvPr>
@@ -3473,7 +3468,7 @@
           <p:cNvPr id="35" name="Group 34">
             <a:extLst>
               <a:ext uri="{FF2B5EF4-FFF2-40B4-BE49-F238E27FC236}">
-                <a16:creationId xmlns:a16="http://schemas.microsoft.com/office/drawing/2014/main" xmlns="" id="{2A31CEFD-1299-4ED8-9FA3-A8F8BD78ABD2}"/>
+                <a16:creationId xmlns:a16="http://schemas.microsoft.com/office/drawing/2014/main" id="{2A31CEFD-1299-4ED8-9FA3-A8F8BD78ABD2}"/>
               </a:ext>
             </a:extLst>
           </p:cNvPr>
@@ -3496,7 +3491,7 @@
             <p:cNvPr id="36" name="Oval 35">
               <a:extLst>
                 <a:ext uri="{FF2B5EF4-FFF2-40B4-BE49-F238E27FC236}">
-                  <a16:creationId xmlns:a16="http://schemas.microsoft.com/office/drawing/2014/main" xmlns="" id="{716723A5-4071-4608-8602-0476E5D7F79A}"/>
+                  <a16:creationId xmlns:a16="http://schemas.microsoft.com/office/drawing/2014/main" id="{716723A5-4071-4608-8602-0476E5D7F79A}"/>
                 </a:ext>
               </a:extLst>
             </p:cNvPr>
@@ -3546,7 +3541,7 @@
             <p:cNvPr id="37" name="Oval 36">
               <a:extLst>
                 <a:ext uri="{FF2B5EF4-FFF2-40B4-BE49-F238E27FC236}">
-                  <a16:creationId xmlns:a16="http://schemas.microsoft.com/office/drawing/2014/main" xmlns="" id="{BD2DF3A1-F663-415D-B84D-1812790FEDAB}"/>
+                  <a16:creationId xmlns:a16="http://schemas.microsoft.com/office/drawing/2014/main" id="{BD2DF3A1-F663-415D-B84D-1812790FEDAB}"/>
                 </a:ext>
               </a:extLst>
             </p:cNvPr>
@@ -3596,7 +3591,7 @@
             <p:cNvPr id="38" name="Oval 37">
               <a:extLst>
                 <a:ext uri="{FF2B5EF4-FFF2-40B4-BE49-F238E27FC236}">
-                  <a16:creationId xmlns:a16="http://schemas.microsoft.com/office/drawing/2014/main" xmlns="" id="{FB029A7F-1A26-4A6A-BFB8-2599D9B98000}"/>
+                  <a16:creationId xmlns:a16="http://schemas.microsoft.com/office/drawing/2014/main" id="{FB029A7F-1A26-4A6A-BFB8-2599D9B98000}"/>
                 </a:ext>
               </a:extLst>
             </p:cNvPr>
@@ -3647,7 +3642,7 @@
           <p:cNvPr id="39" name="Group 38">
             <a:extLst>
               <a:ext uri="{FF2B5EF4-FFF2-40B4-BE49-F238E27FC236}">
-                <a16:creationId xmlns:a16="http://schemas.microsoft.com/office/drawing/2014/main" xmlns="" id="{6D9591CA-638A-4C53-85B0-117076231807}"/>
+                <a16:creationId xmlns:a16="http://schemas.microsoft.com/office/drawing/2014/main" id="{6D9591CA-638A-4C53-85B0-117076231807}"/>
               </a:ext>
             </a:extLst>
           </p:cNvPr>
@@ -3656,10 +3651,10 @@
         </p:nvGrpSpPr>
         <p:grpSpPr>
           <a:xfrm>
-            <a:off x="3436117" y="2744200"/>
-            <a:ext cx="5256215" cy="1615827"/>
-            <a:chOff x="3467890" y="2364252"/>
-            <a:chExt cx="5256215" cy="1615827"/>
+            <a:off x="3436118" y="1349276"/>
+            <a:ext cx="5256215" cy="3832324"/>
+            <a:chOff x="3467891" y="969328"/>
+            <a:chExt cx="5256215" cy="3832324"/>
           </a:xfrm>
         </p:grpSpPr>
         <p:sp>
@@ -3667,7 +3662,7 @@
             <p:cNvPr id="40" name="TextBox 39">
               <a:extLst>
                 <a:ext uri="{FF2B5EF4-FFF2-40B4-BE49-F238E27FC236}">
-                  <a16:creationId xmlns:a16="http://schemas.microsoft.com/office/drawing/2014/main" xmlns="" id="{0B6701D1-40A3-40E4-9256-47C2CA25A698}"/>
+                  <a16:creationId xmlns:a16="http://schemas.microsoft.com/office/drawing/2014/main" id="{0B6701D1-40A3-40E4-9256-47C2CA25A698}"/>
                 </a:ext>
               </a:extLst>
             </p:cNvPr>
@@ -3676,48 +3671,8 @@
           </p:nvSpPr>
           <p:spPr>
             <a:xfrm>
-              <a:off x="3467890" y="2364252"/>
-              <a:ext cx="5256215" cy="1200329"/>
-            </a:xfrm>
-            <a:prstGeom prst="rect">
-              <a:avLst/>
-            </a:prstGeom>
-            <a:noFill/>
-          </p:spPr>
-          <p:txBody>
-            <a:bodyPr wrap="square" rtlCol="0">
-              <a:spAutoFit/>
-            </a:bodyPr>
-            <a:lstStyle/>
-            <a:p>
-              <a:pPr algn="ctr"/>
-              <a:endParaRPr lang="en-US" sz="7200" b="1" spc="300" dirty="0">
-                <a:solidFill>
-                  <a:schemeClr val="bg1"/>
-                </a:solidFill>
-                <a:latin typeface="+mj-lt"/>
-                <a:ea typeface="Roboto" panose="02000000000000000000" pitchFamily="2" charset="0"/>
-                <a:cs typeface="Lato" panose="020F0502020204030203" pitchFamily="34" charset="0"/>
-              </a:endParaRPr>
-            </a:p>
-          </p:txBody>
-        </p:sp>
-        <p:sp>
-          <p:nvSpPr>
-            <p:cNvPr id="41" name="TextBox 40">
-              <a:extLst>
-                <a:ext uri="{FF2B5EF4-FFF2-40B4-BE49-F238E27FC236}">
-                  <a16:creationId xmlns:a16="http://schemas.microsoft.com/office/drawing/2014/main" xmlns="" id="{2590660D-9E6E-41D7-BD84-1862F2703357}"/>
-                </a:ext>
-              </a:extLst>
-            </p:cNvPr>
-            <p:cNvSpPr txBox="1"/>
-            <p:nvPr/>
-          </p:nvSpPr>
-          <p:spPr>
-            <a:xfrm>
-              <a:off x="3887785" y="3395304"/>
-              <a:ext cx="4416428" cy="584775"/>
+              <a:off x="3467891" y="969328"/>
+              <a:ext cx="5256215" cy="2308324"/>
             </a:xfrm>
             <a:prstGeom prst="rect">
               <a:avLst/>
@@ -3732,22 +3687,58 @@
             <a:p>
               <a:pPr algn="ctr"/>
               <a:r>
-                <a:rPr lang="en-US" sz="1600" spc="600" dirty="0" smtClean="0">
+                <a:rPr lang="en-US" sz="7200" b="1" spc="300" dirty="0">
+                  <a:solidFill>
+                    <a:schemeClr val="bg1"/>
+                  </a:solidFill>
+                  <a:latin typeface="Berlin Sans FB Demi" panose="020E0802020502020306" pitchFamily="34" charset="0"/>
+                  <a:ea typeface="Roboto" panose="02000000000000000000" pitchFamily="2" charset="0"/>
+                  <a:cs typeface="Lato" panose="020F0502020204030203" pitchFamily="34" charset="0"/>
+                </a:rPr>
+                <a:t>Course Project</a:t>
+              </a:r>
+            </a:p>
+          </p:txBody>
+        </p:sp>
+        <p:sp>
+          <p:nvSpPr>
+            <p:cNvPr id="41" name="TextBox 40">
+              <a:extLst>
+                <a:ext uri="{FF2B5EF4-FFF2-40B4-BE49-F238E27FC236}">
+                  <a16:creationId xmlns:a16="http://schemas.microsoft.com/office/drawing/2014/main" id="{2590660D-9E6E-41D7-BD84-1862F2703357}"/>
+                </a:ext>
+              </a:extLst>
+            </p:cNvPr>
+            <p:cNvSpPr txBox="1"/>
+            <p:nvPr/>
+          </p:nvSpPr>
+          <p:spPr>
+            <a:xfrm>
+              <a:off x="3995757" y="3847545"/>
+              <a:ext cx="4416428" cy="954107"/>
+            </a:xfrm>
+            <a:prstGeom prst="rect">
+              <a:avLst/>
+            </a:prstGeom>
+            <a:noFill/>
+          </p:spPr>
+          <p:txBody>
+            <a:bodyPr wrap="square" rtlCol="0">
+              <a:spAutoFit/>
+            </a:bodyPr>
+            <a:lstStyle/>
+            <a:p>
+              <a:pPr algn="ctr"/>
+              <a:r>
+                <a:rPr lang="en-US" sz="2800" spc="600" dirty="0">
                   <a:solidFill>
                     <a:schemeClr val="bg1"/>
                   </a:solidFill>
                   <a:ea typeface="Lato" panose="020F0502020204030203" pitchFamily="34" charset="0"/>
                   <a:cs typeface="Lato" panose="020F0502020204030203" pitchFamily="34" charset="0"/>
                 </a:rPr>
-                <a:t>Typing Speed Calculating App Template </a:t>
+                <a:t>Typing Master Application</a:t>
               </a:r>
-              <a:endParaRPr lang="en-US" sz="1600" spc="600" dirty="0">
-                <a:solidFill>
-                  <a:schemeClr val="bg1"/>
-                </a:solidFill>
-                <a:ea typeface="Lato" panose="020F0502020204030203" pitchFamily="34" charset="0"/>
-                <a:cs typeface="Lato" panose="020F0502020204030203" pitchFamily="34" charset="0"/>
-              </a:endParaRPr>
             </a:p>
           </p:txBody>
         </p:sp>
@@ -3757,13 +3748,6 @@
   <p:clrMapOvr>
     <a:masterClrMapping/>
   </p:clrMapOvr>
-  <p:timing>
-    <p:tnLst>
-      <p:par>
-        <p:cTn id="1" dur="indefinite" restart="never" nodeType="tmRoot"/>
-      </p:par>
-    </p:tnLst>
-  </p:timing>
 </p:sld>
 </file>
 
@@ -4141,7 +4125,7 @@
         </p:blipFill>
         <p:spPr bwMode="auto">
           <a:xfrm>
-            <a:off x="6323012" y="304800"/>
+            <a:off x="5838433" y="457200"/>
             <a:ext cx="3124200" cy="1536192"/>
           </a:xfrm>
           <a:prstGeom prst="roundRect">
@@ -4184,7 +4168,7 @@
         <p:spPr>
           <a:xfrm>
             <a:off x="1065212" y="2667000"/>
-            <a:ext cx="6705600" cy="369332"/>
+            <a:ext cx="6705600" cy="1200329"/>
           </a:xfrm>
           <a:prstGeom prst="rect">
             <a:avLst/>
@@ -4198,13 +4182,58 @@
           <a:lstStyle/>
           <a:p>
             <a:r>
-              <a:rPr lang="en-US" smtClean="0"/>
-              <a:t>PRIME MINISTER’S KAMYAB </a:t>
+              <a:rPr lang="en-US" sz="3600" b="1" dirty="0"/>
+              <a:t>PRIME MINISTER’S KAMYAB NOJAWAN PROGRAM </a:t>
             </a:r>
+          </a:p>
+        </p:txBody>
+      </p:sp>
+      <p:sp>
+        <p:nvSpPr>
+          <p:cNvPr id="2" name="TextBox 1">
+            <a:extLst>
+              <a:ext uri="{FF2B5EF4-FFF2-40B4-BE49-F238E27FC236}">
+                <a16:creationId xmlns:a16="http://schemas.microsoft.com/office/drawing/2014/main" id="{A437CC6D-8BED-4559-8528-EAB5603305AF}"/>
+              </a:ext>
+            </a:extLst>
+          </p:cNvPr>
+          <p:cNvSpPr txBox="1"/>
+          <p:nvPr/>
+        </p:nvSpPr>
+        <p:spPr>
+          <a:xfrm>
+            <a:off x="836612" y="5354598"/>
+            <a:ext cx="5029200" cy="1292662"/>
+          </a:xfrm>
+          <a:prstGeom prst="rect">
+            <a:avLst/>
+          </a:prstGeom>
+          <a:noFill/>
+        </p:spPr>
+        <p:txBody>
+          <a:bodyPr wrap="square" rtlCol="0">
+            <a:spAutoFit/>
+          </a:bodyPr>
+          <a:lstStyle/>
+          <a:p>
             <a:r>
-              <a:rPr lang="en-US" dirty="0" smtClean="0"/>
-              <a:t>JAWAN </a:t>
+              <a:rPr lang="en-US" sz="2400" b="1" dirty="0"/>
+              <a:t>Group Members:</a:t>
             </a:r>
+          </a:p>
+          <a:p>
+            <a:r>
+              <a:rPr lang="en-US" dirty="0"/>
+              <a:t>Zohaib ul Hassan</a:t>
+            </a:r>
+          </a:p>
+          <a:p>
+            <a:r>
+              <a:rPr lang="en-US" dirty="0"/>
+              <a:t>Daniyal Shehzad Dar</a:t>
+            </a:r>
+          </a:p>
+          <a:p>
             <a:endParaRPr lang="en-US" dirty="0"/>
           </a:p>
         </p:txBody>
@@ -4217,13 +4246,6 @@
   <p:transition spd="med">
     <p:cover/>
   </p:transition>
-  <p:timing>
-    <p:tnLst>
-      <p:par>
-        <p:cTn id="1" dur="indefinite" restart="never" nodeType="tmRoot"/>
-      </p:par>
-    </p:tnLst>
-  </p:timing>
 </p:sld>
 </file>
 
@@ -4249,7 +4271,7 @@
           <p:cNvPr id="2" name="Freeform: Shape 46">
             <a:extLst>
               <a:ext uri="{FF2B5EF4-FFF2-40B4-BE49-F238E27FC236}">
-                <a16:creationId xmlns:a16="http://schemas.microsoft.com/office/drawing/2014/main" xmlns="" id="{4D36DAE3-692B-46AD-A4FD-A84B0C19EA4B}"/>
+                <a16:creationId xmlns:a16="http://schemas.microsoft.com/office/drawing/2014/main" id="{4D36DAE3-692B-46AD-A4FD-A84B0C19EA4B}"/>
               </a:ext>
             </a:extLst>
           </p:cNvPr>
@@ -4258,8 +4280,8 @@
         </p:nvSpPr>
         <p:spPr>
           <a:xfrm>
-            <a:off x="5896464" y="1"/>
-            <a:ext cx="6279346" cy="5647084"/>
+            <a:off x="6323012" y="1"/>
+            <a:ext cx="5852798" cy="5105392"/>
           </a:xfrm>
           <a:custGeom>
             <a:avLst/>
@@ -4382,7 +4404,7 @@
           <p:cNvPr id="3" name="Group 2">
             <a:extLst>
               <a:ext uri="{FF2B5EF4-FFF2-40B4-BE49-F238E27FC236}">
-                <a16:creationId xmlns:a16="http://schemas.microsoft.com/office/drawing/2014/main" xmlns="" id="{A56B25A6-F874-4D01-B442-0B40493A7F98}"/>
+                <a16:creationId xmlns:a16="http://schemas.microsoft.com/office/drawing/2014/main" id="{A56B25A6-F874-4D01-B442-0B40493A7F98}"/>
               </a:ext>
             </a:extLst>
           </p:cNvPr>
@@ -4391,10 +4413,10 @@
         </p:nvGrpSpPr>
         <p:grpSpPr>
           <a:xfrm>
-            <a:off x="1" y="5857321"/>
+            <a:off x="1" y="5867400"/>
             <a:ext cx="12198351" cy="1000685"/>
-            <a:chOff x="0" y="4421918"/>
-            <a:chExt cx="12198350" cy="2436093"/>
+            <a:chOff x="0" y="4446457"/>
+            <a:chExt cx="12198350" cy="2436094"/>
           </a:xfrm>
           <a:solidFill>
             <a:schemeClr val="accent6"/>
@@ -4405,7 +4427,7 @@
             <p:cNvPr id="4" name="Freeform: Shape 11">
               <a:extLst>
                 <a:ext uri="{FF2B5EF4-FFF2-40B4-BE49-F238E27FC236}">
-                  <a16:creationId xmlns:a16="http://schemas.microsoft.com/office/drawing/2014/main" xmlns="" id="{11F7F20C-597B-4E3B-AE99-F0E83E24A308}"/>
+                  <a16:creationId xmlns:a16="http://schemas.microsoft.com/office/drawing/2014/main" id="{11F7F20C-597B-4E3B-AE99-F0E83E24A308}"/>
                 </a:ext>
               </a:extLst>
             </p:cNvPr>
@@ -4414,8 +4436,8 @@
           </p:nvSpPr>
           <p:spPr>
             <a:xfrm>
-              <a:off x="0" y="4421918"/>
-              <a:ext cx="12198350" cy="2436093"/>
+              <a:off x="0" y="4446457"/>
+              <a:ext cx="12198350" cy="2436094"/>
             </a:xfrm>
             <a:custGeom>
               <a:avLst/>
@@ -4578,9 +4600,8 @@
               </a:pathLst>
             </a:custGeom>
             <a:solidFill>
-              <a:schemeClr val="tx1">
-                <a:lumMod val="65000"/>
-                <a:lumOff val="35000"/>
+              <a:schemeClr val="accent5">
+                <a:lumMod val="75000"/>
               </a:schemeClr>
             </a:solidFill>
             <a:ln>
@@ -4608,7 +4629,7 @@
             <a:lstStyle/>
             <a:p>
               <a:pPr algn="ctr"/>
-              <a:endParaRPr lang="en-US"/>
+              <a:endParaRPr lang="en-US" dirty="0"/>
             </a:p>
           </p:txBody>
         </p:sp>
@@ -4617,7 +4638,7 @@
             <p:cNvPr id="5" name="Freeform: Shape 13">
               <a:extLst>
                 <a:ext uri="{FF2B5EF4-FFF2-40B4-BE49-F238E27FC236}">
-                  <a16:creationId xmlns:a16="http://schemas.microsoft.com/office/drawing/2014/main" xmlns="" id="{B664FB61-3A7F-434A-803C-A16AD492EEBA}"/>
+                  <a16:creationId xmlns:a16="http://schemas.microsoft.com/office/drawing/2014/main" id="{B664FB61-3A7F-434A-803C-A16AD492EEBA}"/>
                 </a:ext>
               </a:extLst>
             </p:cNvPr>
@@ -5595,7 +5616,7 @@
             <p:cNvPr id="6" name="Freeform: Shape 14">
               <a:extLst>
                 <a:ext uri="{FF2B5EF4-FFF2-40B4-BE49-F238E27FC236}">
-                  <a16:creationId xmlns:a16="http://schemas.microsoft.com/office/drawing/2014/main" xmlns="" id="{99F669FB-17F0-46AE-8498-2B38B712248F}"/>
+                  <a16:creationId xmlns:a16="http://schemas.microsoft.com/office/drawing/2014/main" id="{99F669FB-17F0-46AE-8498-2B38B712248F}"/>
                 </a:ext>
               </a:extLst>
             </p:cNvPr>
@@ -6814,7 +6835,7 @@
           <p:cNvPr id="7" name="Group 6">
             <a:extLst>
               <a:ext uri="{FF2B5EF4-FFF2-40B4-BE49-F238E27FC236}">
-                <a16:creationId xmlns:a16="http://schemas.microsoft.com/office/drawing/2014/main" xmlns="" id="{86B3CE33-D6B8-4F3B-B0DD-59AAFE80C482}"/>
+                <a16:creationId xmlns:a16="http://schemas.microsoft.com/office/drawing/2014/main" id="{86B3CE33-D6B8-4F3B-B0DD-59AAFE80C482}"/>
               </a:ext>
             </a:extLst>
           </p:cNvPr>
@@ -6823,10 +6844,10 @@
         </p:nvGrpSpPr>
         <p:grpSpPr>
           <a:xfrm>
-            <a:off x="615510" y="1400141"/>
-            <a:ext cx="5256215" cy="1186499"/>
-            <a:chOff x="3730172" y="1267739"/>
-            <a:chExt cx="5256215" cy="1186499"/>
+            <a:off x="344633" y="597774"/>
+            <a:ext cx="5256215" cy="1335083"/>
+            <a:chOff x="3459295" y="465372"/>
+            <a:chExt cx="5256215" cy="1335083"/>
           </a:xfrm>
         </p:grpSpPr>
         <p:sp>
@@ -6834,7 +6855,7 @@
             <p:cNvPr id="8" name="TextBox 7">
               <a:extLst>
                 <a:ext uri="{FF2B5EF4-FFF2-40B4-BE49-F238E27FC236}">
-                  <a16:creationId xmlns:a16="http://schemas.microsoft.com/office/drawing/2014/main" xmlns="" id="{D21E4477-415C-404A-8BF8-22A3F92E6DC2}"/>
+                  <a16:creationId xmlns:a16="http://schemas.microsoft.com/office/drawing/2014/main" id="{D21E4477-415C-404A-8BF8-22A3F92E6DC2}"/>
                 </a:ext>
               </a:extLst>
             </p:cNvPr>
@@ -6843,7 +6864,7 @@
           </p:nvSpPr>
           <p:spPr>
             <a:xfrm>
-              <a:off x="3730172" y="1267739"/>
+              <a:off x="3459295" y="465372"/>
               <a:ext cx="5256215" cy="923330"/>
             </a:xfrm>
             <a:prstGeom prst="rect">
@@ -6858,7 +6879,7 @@
             <a:lstStyle/>
             <a:p>
               <a:r>
-                <a:rPr lang="en-US" sz="5400" b="1" dirty="0" smtClean="0">
+                <a:rPr lang="en-US" sz="5400" b="1" dirty="0">
                   <a:solidFill>
                     <a:schemeClr val="accent1"/>
                   </a:solidFill>
@@ -6868,14 +6889,6 @@
                 </a:rPr>
                 <a:t>What is</a:t>
               </a:r>
-              <a:endParaRPr lang="en-US" sz="5400" b="1" dirty="0">
-                <a:solidFill>
-                  <a:schemeClr val="accent1"/>
-                </a:solidFill>
-                <a:latin typeface="+mj-lt"/>
-                <a:ea typeface="Roboto" panose="02000000000000000000" pitchFamily="2" charset="0"/>
-                <a:cs typeface="Lato" panose="020F0502020204030203" pitchFamily="34" charset="0"/>
-              </a:endParaRPr>
             </a:p>
           </p:txBody>
         </p:sp>
@@ -6884,7 +6897,7 @@
             <p:cNvPr id="9" name="TextBox 8">
               <a:extLst>
                 <a:ext uri="{FF2B5EF4-FFF2-40B4-BE49-F238E27FC236}">
-                  <a16:creationId xmlns:a16="http://schemas.microsoft.com/office/drawing/2014/main" xmlns="" id="{8CC4694E-7DD9-4FFE-8A57-0BA293427768}"/>
+                  <a16:creationId xmlns:a16="http://schemas.microsoft.com/office/drawing/2014/main" id="{8CC4694E-7DD9-4FFE-8A57-0BA293427768}"/>
                 </a:ext>
               </a:extLst>
             </p:cNvPr>
@@ -6893,7 +6906,7 @@
           </p:nvSpPr>
           <p:spPr>
             <a:xfrm>
-              <a:off x="3730172" y="1992573"/>
+              <a:off x="3459295" y="1338790"/>
               <a:ext cx="5183645" cy="461665"/>
             </a:xfrm>
             <a:prstGeom prst="rect">
@@ -6908,18 +6921,13 @@
             <a:lstStyle/>
             <a:p>
               <a:r>
-                <a:rPr lang="en-US" sz="2400" b="1" dirty="0" smtClean="0">
+                <a:rPr lang="en-US" sz="2400" b="1" dirty="0">
                   <a:latin typeface="+mj-lt"/>
                   <a:ea typeface="Roboto" panose="02000000000000000000" pitchFamily="2" charset="0"/>
                   <a:cs typeface="Lato" panose="020F0502020204030203" pitchFamily="34" charset="0"/>
                 </a:rPr>
-                <a:t>Typing Speed Calculating App</a:t>
+                <a:t>Typing Master App</a:t>
               </a:r>
-              <a:endParaRPr lang="en-US" sz="2400" b="1" dirty="0">
-                <a:latin typeface="+mj-lt"/>
-                <a:ea typeface="Roboto" panose="02000000000000000000" pitchFamily="2" charset="0"/>
-                <a:cs typeface="Lato" panose="020F0502020204030203" pitchFamily="34" charset="0"/>
-              </a:endParaRPr>
             </a:p>
           </p:txBody>
         </p:sp>
@@ -6929,7 +6937,7 @@
           <p:cNvPr id="10" name="TextBox 9">
             <a:extLst>
               <a:ext uri="{FF2B5EF4-FFF2-40B4-BE49-F238E27FC236}">
-                <a16:creationId xmlns:a16="http://schemas.microsoft.com/office/drawing/2014/main" xmlns="" id="{B45765EB-2FBE-4D87-845D-92635586BBCF}"/>
+                <a16:creationId xmlns:a16="http://schemas.microsoft.com/office/drawing/2014/main" id="{B45765EB-2FBE-4D87-845D-92635586BBCF}"/>
               </a:ext>
             </a:extLst>
           </p:cNvPr>
@@ -6938,8 +6946,8 @@
         </p:nvSpPr>
         <p:spPr>
           <a:xfrm>
-            <a:off x="760413" y="3429003"/>
-            <a:ext cx="5280952" cy="2031325"/>
+            <a:off x="97156" y="2327102"/>
+            <a:ext cx="6531063" cy="3373359"/>
           </a:xfrm>
           <a:prstGeom prst="rect">
             <a:avLst/>
@@ -6958,7 +6966,7 @@
               </a:lnSpc>
             </a:pPr>
             <a:r>
-              <a:rPr lang="en-US" sz="1200" spc="200" dirty="0" smtClean="0">
+              <a:rPr lang="en-US" spc="200" dirty="0">
                 <a:ea typeface="Lato" panose="020F0502020204030203" pitchFamily="34" charset="0"/>
                 <a:cs typeface="Lato" panose="020F0502020204030203" pitchFamily="34" charset="0"/>
               </a:rPr>
@@ -6972,7 +6980,7 @@
           <p:cNvPr id="11" name="Straight Connector 10">
             <a:extLst>
               <a:ext uri="{FF2B5EF4-FFF2-40B4-BE49-F238E27FC236}">
-                <a16:creationId xmlns:a16="http://schemas.microsoft.com/office/drawing/2014/main" xmlns="" id="{8CC3D41C-7A2C-481B-BAA1-908455AB3078}"/>
+                <a16:creationId xmlns:a16="http://schemas.microsoft.com/office/drawing/2014/main" id="{8CC3D41C-7A2C-481B-BAA1-908455AB3078}"/>
               </a:ext>
             </a:extLst>
           </p:cNvPr>
@@ -6983,7 +6991,7 @@
         </p:nvCxnSpPr>
         <p:spPr>
           <a:xfrm>
-            <a:off x="694489" y="2841365"/>
+            <a:off x="531812" y="2286000"/>
             <a:ext cx="1461858" cy="0"/>
           </a:xfrm>
           <a:prstGeom prst="line">
@@ -7011,13 +7019,6 @@
   <p:clrMapOvr>
     <a:masterClrMapping/>
   </p:clrMapOvr>
-  <p:timing>
-    <p:tnLst>
-      <p:par>
-        <p:cTn id="1" dur="indefinite" restart="never" nodeType="tmRoot"/>
-      </p:par>
-    </p:tnLst>
-  </p:timing>
 </p:sld>
 </file>
 
@@ -7043,7 +7044,7 @@
           <p:cNvPr id="2" name="Oval 1">
             <a:extLst>
               <a:ext uri="{FF2B5EF4-FFF2-40B4-BE49-F238E27FC236}">
-                <a16:creationId xmlns:a16="http://schemas.microsoft.com/office/drawing/2014/main" xmlns="" id="{7FF557AD-613B-4F41-AB93-80226BDF2856}"/>
+                <a16:creationId xmlns:a16="http://schemas.microsoft.com/office/drawing/2014/main" id="{7FF557AD-613B-4F41-AB93-80226BDF2856}"/>
               </a:ext>
             </a:extLst>
           </p:cNvPr>
@@ -7103,7 +7104,7 @@
           <p:cNvPr id="3" name="Freeform: Shape 10">
             <a:extLst>
               <a:ext uri="{FF2B5EF4-FFF2-40B4-BE49-F238E27FC236}">
-                <a16:creationId xmlns:a16="http://schemas.microsoft.com/office/drawing/2014/main" xmlns="" id="{B2E7B1F6-31DE-43B9-A3A4-0A6F871F0140}"/>
+                <a16:creationId xmlns:a16="http://schemas.microsoft.com/office/drawing/2014/main" id="{B2E7B1F6-31DE-43B9-A3A4-0A6F871F0140}"/>
               </a:ext>
             </a:extLst>
           </p:cNvPr>
@@ -7236,7 +7237,7 @@
           <p:cNvPr id="4" name="Group 3">
             <a:extLst>
               <a:ext uri="{FF2B5EF4-FFF2-40B4-BE49-F238E27FC236}">
-                <a16:creationId xmlns:a16="http://schemas.microsoft.com/office/drawing/2014/main" xmlns="" id="{F868C462-7969-4165-9DA5-86B028E8F5F3}"/>
+                <a16:creationId xmlns:a16="http://schemas.microsoft.com/office/drawing/2014/main" id="{F868C462-7969-4165-9DA5-86B028E8F5F3}"/>
               </a:ext>
             </a:extLst>
           </p:cNvPr>
@@ -7256,7 +7257,7 @@
             <p:cNvPr id="5" name="TextBox 4">
               <a:extLst>
                 <a:ext uri="{FF2B5EF4-FFF2-40B4-BE49-F238E27FC236}">
-                  <a16:creationId xmlns:a16="http://schemas.microsoft.com/office/drawing/2014/main" xmlns="" id="{11721B94-B67B-4BCB-8736-3660593F47BD}"/>
+                  <a16:creationId xmlns:a16="http://schemas.microsoft.com/office/drawing/2014/main" id="{11721B94-B67B-4BCB-8736-3660593F47BD}"/>
                 </a:ext>
               </a:extLst>
             </p:cNvPr>
@@ -7280,7 +7281,7 @@
             <a:lstStyle/>
             <a:p>
               <a:r>
-                <a:rPr lang="en-US" sz="4400" b="1" dirty="0" smtClean="0">
+                <a:rPr lang="en-US" sz="4400" b="1" dirty="0">
                   <a:solidFill>
                     <a:schemeClr val="accent1"/>
                   </a:solidFill>
@@ -7290,14 +7291,6 @@
                 </a:rPr>
                 <a:t>What makes it Different ?</a:t>
               </a:r>
-              <a:endParaRPr lang="en-US" sz="4400" b="1" dirty="0">
-                <a:solidFill>
-                  <a:schemeClr val="accent1"/>
-                </a:solidFill>
-                <a:latin typeface="+mj-lt"/>
-                <a:ea typeface="Roboto" panose="02000000000000000000" pitchFamily="2" charset="0"/>
-                <a:cs typeface="Lato" panose="020F0502020204030203" pitchFamily="34" charset="0"/>
-              </a:endParaRPr>
             </a:p>
           </p:txBody>
         </p:sp>
@@ -7306,7 +7299,7 @@
             <p:cNvPr id="6" name="TextBox 5">
               <a:extLst>
                 <a:ext uri="{FF2B5EF4-FFF2-40B4-BE49-F238E27FC236}">
-                  <a16:creationId xmlns:a16="http://schemas.microsoft.com/office/drawing/2014/main" xmlns="" id="{4D8B48BD-0755-4B96-A87D-5233CAB8616D}"/>
+                  <a16:creationId xmlns:a16="http://schemas.microsoft.com/office/drawing/2014/main" id="{4D8B48BD-0755-4B96-A87D-5233CAB8616D}"/>
                 </a:ext>
               </a:extLst>
             </p:cNvPr>
@@ -7343,7 +7336,7 @@
           <p:cNvPr id="7" name="Straight Connector 6">
             <a:extLst>
               <a:ext uri="{FF2B5EF4-FFF2-40B4-BE49-F238E27FC236}">
-                <a16:creationId xmlns:a16="http://schemas.microsoft.com/office/drawing/2014/main" xmlns="" id="{59738384-4A2A-4C43-877D-F70ABFC724F6}"/>
+                <a16:creationId xmlns:a16="http://schemas.microsoft.com/office/drawing/2014/main" id="{59738384-4A2A-4C43-877D-F70ABFC724F6}"/>
               </a:ext>
             </a:extLst>
           </p:cNvPr>
@@ -7382,7 +7375,7 @@
           <p:cNvPr id="8" name="TextBox 7">
             <a:extLst>
               <a:ext uri="{FF2B5EF4-FFF2-40B4-BE49-F238E27FC236}">
-                <a16:creationId xmlns:a16="http://schemas.microsoft.com/office/drawing/2014/main" xmlns="" id="{3D77B4D9-06CD-4C76-8DA7-5669D4C28B7B}"/>
+                <a16:creationId xmlns:a16="http://schemas.microsoft.com/office/drawing/2014/main" id="{3D77B4D9-06CD-4C76-8DA7-5669D4C28B7B}"/>
               </a:ext>
             </a:extLst>
           </p:cNvPr>
@@ -7391,8 +7384,8 @@
         </p:nvSpPr>
         <p:spPr>
           <a:xfrm>
-            <a:off x="6729657" y="3689993"/>
-            <a:ext cx="4511597" cy="2308324"/>
+            <a:off x="5498877" y="3462857"/>
+            <a:ext cx="5782087" cy="3008772"/>
           </a:xfrm>
           <a:prstGeom prst="rect">
             <a:avLst/>
@@ -7411,72 +7404,26 @@
               </a:lnSpc>
             </a:pPr>
             <a:r>
-              <a:rPr lang="en-US" sz="1200" spc="190" dirty="0" smtClean="0">
+              <a:rPr lang="en-US" sz="1600" spc="190" dirty="0">
                 <a:ea typeface="Lato" panose="020F0502020204030203" pitchFamily="34" charset="0"/>
-                <a:cs typeface="Lato" panose="020F0502020204030203" pitchFamily="34" charset="0"/>
+                <a:cs typeface="Times New Roman" panose="02020603050405020304" pitchFamily="18" charset="0"/>
               </a:rPr>
-              <a:t>We   Use   Famous   language   python  </a:t>
+              <a:t>We   Use   Famous   language   python  programming language  to   give   it   extra  strength  moreover  for  make  it  user friendly  we   use  </a:t>
             </a:r>
             <a:r>
-              <a:rPr lang="en-US" sz="1200" spc="190" dirty="0" err="1" smtClean="0">
+              <a:rPr lang="en-US" sz="1600" spc="190" dirty="0" err="1">
                 <a:ea typeface="Lato" panose="020F0502020204030203" pitchFamily="34" charset="0"/>
-                <a:cs typeface="Lato" panose="020F0502020204030203" pitchFamily="34" charset="0"/>
-              </a:rPr>
-              <a:t>progrmaing</a:t>
-            </a:r>
-            <a:r>
-              <a:rPr lang="en-US" sz="1200" spc="190" dirty="0" smtClean="0">
-                <a:ea typeface="Lato" panose="020F0502020204030203" pitchFamily="34" charset="0"/>
-                <a:cs typeface="Lato" panose="020F0502020204030203" pitchFamily="34" charset="0"/>
-              </a:rPr>
-              <a:t> language  to   give   it   extra  strength  moreover  for  make  it  better   we   use  </a:t>
-            </a:r>
-            <a:r>
-              <a:rPr lang="en-US" sz="1200" spc="190" dirty="0" err="1" smtClean="0">
-                <a:ea typeface="Lato" panose="020F0502020204030203" pitchFamily="34" charset="0"/>
-                <a:cs typeface="Lato" panose="020F0502020204030203" pitchFamily="34" charset="0"/>
+                <a:cs typeface="Times New Roman" panose="02020603050405020304" pitchFamily="18" charset="0"/>
               </a:rPr>
               <a:t>tkinter</a:t>
             </a:r>
             <a:r>
-              <a:rPr lang="en-US" sz="1200" spc="190" dirty="0" smtClean="0">
+              <a:rPr lang="en-US" sz="1600" spc="190" dirty="0">
                 <a:ea typeface="Lato" panose="020F0502020204030203" pitchFamily="34" charset="0"/>
-                <a:cs typeface="Lato" panose="020F0502020204030203" pitchFamily="34" charset="0"/>
+                <a:cs typeface="Times New Roman" panose="02020603050405020304" pitchFamily="18" charset="0"/>
               </a:rPr>
-              <a:t>  library  to setup   optimal  screen  feature   which  makes user  </a:t>
+              <a:t>  library  to setup   optimal  screen  feature   which  makes user  compatible  with  any  type  of  screen  such as  mobile ,laptop , Pc  and  other. We also use exception  handling  feature  to  avoid  crash in runtime </a:t>
             </a:r>
-            <a:r>
-              <a:rPr lang="en-US" sz="1200" spc="190" dirty="0" err="1" smtClean="0">
-                <a:ea typeface="Lato" panose="020F0502020204030203" pitchFamily="34" charset="0"/>
-                <a:cs typeface="Lato" panose="020F0502020204030203" pitchFamily="34" charset="0"/>
-              </a:rPr>
-              <a:t>compatble</a:t>
-            </a:r>
-            <a:r>
-              <a:rPr lang="en-US" sz="1200" spc="190" dirty="0" smtClean="0">
-                <a:ea typeface="Lato" panose="020F0502020204030203" pitchFamily="34" charset="0"/>
-                <a:cs typeface="Lato" panose="020F0502020204030203" pitchFamily="34" charset="0"/>
-              </a:rPr>
-              <a:t>  with  any  type  of  screen  such as  mobile ,laptop , Pc  and  other. We also use exception  handling  feature  to  </a:t>
-            </a:r>
-            <a:r>
-              <a:rPr lang="en-US" sz="1200" spc="190" dirty="0" err="1" smtClean="0">
-                <a:ea typeface="Lato" panose="020F0502020204030203" pitchFamily="34" charset="0"/>
-                <a:cs typeface="Lato" panose="020F0502020204030203" pitchFamily="34" charset="0"/>
-              </a:rPr>
-              <a:t>aviod</a:t>
-            </a:r>
-            <a:r>
-              <a:rPr lang="en-US" sz="1200" spc="190" dirty="0" smtClean="0">
-                <a:ea typeface="Lato" panose="020F0502020204030203" pitchFamily="34" charset="0"/>
-                <a:cs typeface="Lato" panose="020F0502020204030203" pitchFamily="34" charset="0"/>
-              </a:rPr>
-              <a:t>  crash in runtime </a:t>
-            </a:r>
-            <a:endParaRPr lang="en-US" sz="1200" spc="190" dirty="0">
-              <a:ea typeface="Lato" panose="020F0502020204030203" pitchFamily="34" charset="0"/>
-              <a:cs typeface="Lato" panose="020F0502020204030203" pitchFamily="34" charset="0"/>
-            </a:endParaRPr>
           </a:p>
         </p:txBody>
       </p:sp>
@@ -7510,13 +7457,6 @@
   <p:clrMapOvr>
     <a:masterClrMapping/>
   </p:clrMapOvr>
-  <p:timing>
-    <p:tnLst>
-      <p:par>
-        <p:cTn id="1" dur="indefinite" restart="never" nodeType="tmRoot"/>
-      </p:par>
-    </p:tnLst>
-  </p:timing>
 </p:sld>
 </file>
 
@@ -7537,18 +7477,140 @@
           <a:chExt cx="0" cy="0"/>
         </a:xfrm>
       </p:grpSpPr>
+      <p:sp>
+        <p:nvSpPr>
+          <p:cNvPr id="2" name="Trapezoid 1">
+            <a:extLst>
+              <a:ext uri="{FF2B5EF4-FFF2-40B4-BE49-F238E27FC236}">
+                <a16:creationId xmlns:a16="http://schemas.microsoft.com/office/drawing/2014/main" id="{3870CDBF-F907-4EC4-BF59-B7F7CF91076D}"/>
+              </a:ext>
+            </a:extLst>
+          </p:cNvPr>
+          <p:cNvSpPr/>
+          <p:nvPr/>
+        </p:nvSpPr>
+        <p:spPr>
+          <a:xfrm>
+            <a:off x="8685212" y="0"/>
+            <a:ext cx="3276600" cy="6858000"/>
+          </a:xfrm>
+          <a:prstGeom prst="trapezoid">
+            <a:avLst/>
+          </a:prstGeom>
+          <a:solidFill>
+            <a:schemeClr val="accent6"/>
+          </a:solidFill>
+          <a:ln>
+            <a:solidFill>
+              <a:schemeClr val="bg1"/>
+            </a:solidFill>
+          </a:ln>
+        </p:spPr>
+        <p:style>
+          <a:lnRef idx="2">
+            <a:schemeClr val="accent1">
+              <a:shade val="50000"/>
+            </a:schemeClr>
+          </a:lnRef>
+          <a:fillRef idx="1">
+            <a:schemeClr val="accent1"/>
+          </a:fillRef>
+          <a:effectRef idx="0">
+            <a:schemeClr val="accent1"/>
+          </a:effectRef>
+          <a:fontRef idx="minor">
+            <a:schemeClr val="lt1"/>
+          </a:fontRef>
+        </p:style>
+        <p:txBody>
+          <a:bodyPr rtlCol="0" anchor="ctr"/>
+          <a:lstStyle/>
+          <a:p>
+            <a:pPr algn="ctr"/>
+            <a:endParaRPr lang="en-US"/>
+          </a:p>
+        </p:txBody>
+      </p:sp>
+      <p:sp>
+        <p:nvSpPr>
+          <p:cNvPr id="3" name="TextBox 2">
+            <a:extLst>
+              <a:ext uri="{FF2B5EF4-FFF2-40B4-BE49-F238E27FC236}">
+                <a16:creationId xmlns:a16="http://schemas.microsoft.com/office/drawing/2014/main" id="{2ADA317F-8D8D-4876-9F5D-5585D179DE5A}"/>
+              </a:ext>
+            </a:extLst>
+          </p:cNvPr>
+          <p:cNvSpPr txBox="1"/>
+          <p:nvPr/>
+        </p:nvSpPr>
+        <p:spPr>
+          <a:xfrm>
+            <a:off x="961633" y="2438400"/>
+            <a:ext cx="7696200" cy="2646878"/>
+          </a:xfrm>
+          <a:prstGeom prst="rect">
+            <a:avLst/>
+          </a:prstGeom>
+          <a:noFill/>
+        </p:spPr>
+        <p:txBody>
+          <a:bodyPr wrap="square" rtlCol="0">
+            <a:spAutoFit/>
+          </a:bodyPr>
+          <a:lstStyle/>
+          <a:p>
+            <a:r>
+              <a:rPr lang="en-US" sz="2400" b="1" dirty="0"/>
+              <a:t>Advantages:</a:t>
+            </a:r>
+          </a:p>
+          <a:p>
+            <a:endParaRPr lang="en-US" sz="2400" b="1" dirty="0"/>
+          </a:p>
+          <a:p>
+            <a:pPr marL="457200" indent="-457200">
+              <a:buFont typeface="Arial" panose="020B0604020202020204" pitchFamily="34" charset="0"/>
+              <a:buChar char="•"/>
+            </a:pPr>
+            <a:r>
+              <a:rPr lang="en-US" sz="2000" dirty="0"/>
+              <a:t>It can be used to improve vocabulary and  typing speed</a:t>
+            </a:r>
+          </a:p>
+          <a:p>
+            <a:pPr marL="457200" indent="-457200">
+              <a:buFont typeface="Arial" panose="020B0604020202020204" pitchFamily="34" charset="0"/>
+              <a:buChar char="•"/>
+            </a:pPr>
+            <a:endParaRPr lang="en-US" sz="2000" dirty="0"/>
+          </a:p>
+          <a:p>
+            <a:pPr marL="457200" indent="-457200">
+              <a:buFont typeface="Arial" panose="020B0604020202020204" pitchFamily="34" charset="0"/>
+              <a:buChar char="•"/>
+            </a:pPr>
+            <a:r>
+              <a:rPr lang="en-US" sz="2000" dirty="0"/>
+              <a:t>The user can track his progress overtime as he improves he's typing speed and vocabulary</a:t>
+            </a:r>
+          </a:p>
+          <a:p>
+            <a:pPr marL="457200" indent="-457200">
+              <a:buFont typeface="Arial" panose="020B0604020202020204" pitchFamily="34" charset="0"/>
+              <a:buChar char="•"/>
+            </a:pPr>
+            <a:endParaRPr lang="en-US" sz="2000" dirty="0"/>
+          </a:p>
+          <a:p>
+            <a:endParaRPr lang="en-US" dirty="0"/>
+          </a:p>
+        </p:txBody>
+      </p:sp>
     </p:spTree>
   </p:cSld>
   <p:clrMapOvr>
     <a:masterClrMapping/>
   </p:clrMapOvr>
-  <p:timing>
-    <p:tnLst>
-      <p:par>
-        <p:cTn id="1" dur="indefinite" restart="never" nodeType="tmRoot"/>
-      </p:par>
-    </p:tnLst>
-  </p:timing>
 </p:sld>
 </file>
 
@@ -7569,18 +7631,468 @@
           <a:chExt cx="0" cy="0"/>
         </a:xfrm>
       </p:grpSpPr>
+      <p:pic>
+        <p:nvPicPr>
+          <p:cNvPr id="3" name="Picture 2">
+            <a:extLst>
+              <a:ext uri="{FF2B5EF4-FFF2-40B4-BE49-F238E27FC236}">
+                <a16:creationId xmlns:a16="http://schemas.microsoft.com/office/drawing/2014/main" id="{79CE245D-8B05-47A4-9226-B31D99095A30}"/>
+              </a:ext>
+            </a:extLst>
+          </p:cNvPr>
+          <p:cNvPicPr>
+            <a:picLocks noChangeAspect="1"/>
+          </p:cNvPicPr>
+          <p:nvPr/>
+        </p:nvPicPr>
+        <p:blipFill>
+          <a:blip r:embed="rId2"/>
+          <a:stretch>
+            <a:fillRect/>
+          </a:stretch>
+        </p:blipFill>
+        <p:spPr>
+          <a:xfrm>
+            <a:off x="4264549" y="762000"/>
+            <a:ext cx="7621064" cy="6001588"/>
+          </a:xfrm>
+          <a:prstGeom prst="rect">
+            <a:avLst/>
+          </a:prstGeom>
+        </p:spPr>
+      </p:pic>
+      <p:sp>
+        <p:nvSpPr>
+          <p:cNvPr id="4" name="Trapezoid 3">
+            <a:extLst>
+              <a:ext uri="{FF2B5EF4-FFF2-40B4-BE49-F238E27FC236}">
+                <a16:creationId xmlns:a16="http://schemas.microsoft.com/office/drawing/2014/main" id="{B4B53D35-31AD-4A50-A462-322607142D4B}"/>
+              </a:ext>
+            </a:extLst>
+          </p:cNvPr>
+          <p:cNvSpPr/>
+          <p:nvPr/>
+        </p:nvSpPr>
+        <p:spPr>
+          <a:xfrm>
+            <a:off x="303212" y="0"/>
+            <a:ext cx="3276600" cy="6858000"/>
+          </a:xfrm>
+          <a:prstGeom prst="trapezoid">
+            <a:avLst/>
+          </a:prstGeom>
+          <a:solidFill>
+            <a:schemeClr val="accent6"/>
+          </a:solidFill>
+          <a:ln>
+            <a:solidFill>
+              <a:schemeClr val="bg1"/>
+            </a:solidFill>
+          </a:ln>
+        </p:spPr>
+        <p:style>
+          <a:lnRef idx="2">
+            <a:schemeClr val="accent1">
+              <a:shade val="50000"/>
+            </a:schemeClr>
+          </a:lnRef>
+          <a:fillRef idx="1">
+            <a:schemeClr val="accent1"/>
+          </a:fillRef>
+          <a:effectRef idx="0">
+            <a:schemeClr val="accent1"/>
+          </a:effectRef>
+          <a:fontRef idx="minor">
+            <a:schemeClr val="lt1"/>
+          </a:fontRef>
+        </p:style>
+        <p:txBody>
+          <a:bodyPr rtlCol="0" anchor="ctr"/>
+          <a:lstStyle/>
+          <a:p>
+            <a:pPr algn="ctr"/>
+            <a:endParaRPr lang="en-US"/>
+          </a:p>
+        </p:txBody>
+      </p:sp>
+      <p:sp>
+        <p:nvSpPr>
+          <p:cNvPr id="5" name="TextBox 4">
+            <a:extLst>
+              <a:ext uri="{FF2B5EF4-FFF2-40B4-BE49-F238E27FC236}">
+                <a16:creationId xmlns:a16="http://schemas.microsoft.com/office/drawing/2014/main" id="{9D45EC75-0605-4E7C-AF5E-3008932D88F1}"/>
+              </a:ext>
+            </a:extLst>
+          </p:cNvPr>
+          <p:cNvSpPr txBox="1"/>
+          <p:nvPr/>
+        </p:nvSpPr>
+        <p:spPr>
+          <a:xfrm>
+            <a:off x="3732212" y="36731"/>
+            <a:ext cx="7391400" cy="646331"/>
+          </a:xfrm>
+          <a:prstGeom prst="rect">
+            <a:avLst/>
+          </a:prstGeom>
+          <a:noFill/>
+        </p:spPr>
+        <p:txBody>
+          <a:bodyPr wrap="square" rtlCol="0">
+            <a:spAutoFit/>
+          </a:bodyPr>
+          <a:lstStyle/>
+          <a:p>
+            <a:pPr algn="ctr"/>
+            <a:r>
+              <a:rPr lang="en-US" sz="3600" b="1" dirty="0"/>
+              <a:t>APP Template</a:t>
+            </a:r>
+          </a:p>
+        </p:txBody>
+      </p:sp>
     </p:spTree>
   </p:cSld>
   <p:clrMapOvr>
     <a:masterClrMapping/>
   </p:clrMapOvr>
-  <p:timing>
-    <p:tnLst>
-      <p:par>
-        <p:cTn id="1" dur="indefinite" restart="never" nodeType="tmRoot"/>
-      </p:par>
-    </p:tnLst>
-  </p:timing>
+</p:sld>
+</file>
+
+<file path=ppt/slides/slide7.xml><?xml version="1.0" encoding="utf-8"?>
+<p:sld xmlns:a="http://schemas.openxmlformats.org/drawingml/2006/main" xmlns:r="http://schemas.openxmlformats.org/officeDocument/2006/relationships" xmlns:p="http://schemas.openxmlformats.org/presentationml/2006/main">
+  <p:cSld>
+    <p:spTree>
+      <p:nvGrpSpPr>
+        <p:cNvPr id="1" name=""/>
+        <p:cNvGrpSpPr/>
+        <p:nvPr/>
+      </p:nvGrpSpPr>
+      <p:grpSpPr>
+        <a:xfrm>
+          <a:off x="0" y="0"/>
+          <a:ext cx="0" cy="0"/>
+          <a:chOff x="0" y="0"/>
+          <a:chExt cx="0" cy="0"/>
+        </a:xfrm>
+      </p:grpSpPr>
+      <p:sp>
+        <p:nvSpPr>
+          <p:cNvPr id="3" name="Content Placeholder 2">
+            <a:extLst>
+              <a:ext uri="{FF2B5EF4-FFF2-40B4-BE49-F238E27FC236}">
+                <a16:creationId xmlns:a16="http://schemas.microsoft.com/office/drawing/2014/main" id="{EEB79DB5-2008-436F-92F3-0EDF0850D926}"/>
+              </a:ext>
+            </a:extLst>
+          </p:cNvPr>
+          <p:cNvSpPr>
+            <a:spLocks noGrp="1"/>
+          </p:cNvSpPr>
+          <p:nvPr>
+            <p:ph idx="1"/>
+          </p:nvPr>
+        </p:nvSpPr>
+        <p:spPr>
+          <a:xfrm>
+            <a:off x="3351212" y="2819400"/>
+            <a:ext cx="10969943" cy="4525963"/>
+          </a:xfrm>
+        </p:spPr>
+        <p:txBody>
+          <a:bodyPr>
+            <a:normAutofit/>
+          </a:bodyPr>
+          <a:lstStyle/>
+          <a:p>
+            <a:pPr marL="0" indent="0">
+              <a:buNone/>
+            </a:pPr>
+            <a:r>
+              <a:rPr lang="en-US" sz="9600" dirty="0"/>
+              <a:t>Thankyou</a:t>
+            </a:r>
+          </a:p>
+        </p:txBody>
+      </p:sp>
+      <p:sp>
+        <p:nvSpPr>
+          <p:cNvPr id="4" name="Freeform: Shape 10">
+            <a:extLst>
+              <a:ext uri="{FF2B5EF4-FFF2-40B4-BE49-F238E27FC236}">
+                <a16:creationId xmlns:a16="http://schemas.microsoft.com/office/drawing/2014/main" id="{3C8CF9A1-DF80-496F-8C7F-3AB6702F1D9E}"/>
+              </a:ext>
+            </a:extLst>
+          </p:cNvPr>
+          <p:cNvSpPr/>
+          <p:nvPr/>
+        </p:nvSpPr>
+        <p:spPr>
+          <a:xfrm rot="10800000">
+            <a:off x="-2" y="3428999"/>
+            <a:ext cx="4341814" cy="3429004"/>
+          </a:xfrm>
+          <a:custGeom>
+            <a:avLst/>
+            <a:gdLst>
+              <a:gd name="connsiteX0" fmla="*/ 192054 w 6304084"/>
+              <a:gd name="connsiteY0" fmla="*/ 0 h 5669332"/>
+              <a:gd name="connsiteX1" fmla="*/ 6304084 w 6304084"/>
+              <a:gd name="connsiteY1" fmla="*/ 0 h 5669332"/>
+              <a:gd name="connsiteX2" fmla="*/ 6304084 w 6304084"/>
+              <a:gd name="connsiteY2" fmla="*/ 5226741 h 5669332"/>
+              <a:gd name="connsiteX3" fmla="*/ 6283913 w 6304084"/>
+              <a:gd name="connsiteY3" fmla="*/ 5237072 h 5669332"/>
+              <a:gd name="connsiteX4" fmla="*/ 4383489 w 6304084"/>
+              <a:gd name="connsiteY4" fmla="*/ 5669332 h 5669332"/>
+              <a:gd name="connsiteX5" fmla="*/ 0 w 6304084"/>
+              <a:gd name="connsiteY5" fmla="*/ 1285843 h 5669332"/>
+              <a:gd name="connsiteX6" fmla="*/ 138004 w 6304084"/>
+              <a:gd name="connsiteY6" fmla="*/ 190341 h 5669332"/>
+              <a:gd name="connsiteX7" fmla="*/ 192054 w 6304084"/>
+              <a:gd name="connsiteY7" fmla="*/ 0 h 5669332"/>
+            </a:gdLst>
+            <a:ahLst/>
+            <a:cxnLst>
+              <a:cxn ang="0">
+                <a:pos x="connsiteX0" y="connsiteY0"/>
+              </a:cxn>
+              <a:cxn ang="0">
+                <a:pos x="connsiteX1" y="connsiteY1"/>
+              </a:cxn>
+              <a:cxn ang="0">
+                <a:pos x="connsiteX2" y="connsiteY2"/>
+              </a:cxn>
+              <a:cxn ang="0">
+                <a:pos x="connsiteX3" y="connsiteY3"/>
+              </a:cxn>
+              <a:cxn ang="0">
+                <a:pos x="connsiteX4" y="connsiteY4"/>
+              </a:cxn>
+              <a:cxn ang="0">
+                <a:pos x="connsiteX5" y="connsiteY5"/>
+              </a:cxn>
+              <a:cxn ang="0">
+                <a:pos x="connsiteX6" y="connsiteY6"/>
+              </a:cxn>
+              <a:cxn ang="0">
+                <a:pos x="connsiteX7" y="connsiteY7"/>
+              </a:cxn>
+            </a:cxnLst>
+            <a:rect l="l" t="t" r="r" b="b"/>
+            <a:pathLst>
+              <a:path w="6304084" h="5669332">
+                <a:moveTo>
+                  <a:pt x="192054" y="0"/>
+                </a:moveTo>
+                <a:lnTo>
+                  <a:pt x="6304084" y="0"/>
+                </a:lnTo>
+                <a:lnTo>
+                  <a:pt x="6304084" y="5226741"/>
+                </a:lnTo>
+                <a:lnTo>
+                  <a:pt x="6283913" y="5237072"/>
+                </a:lnTo>
+                <a:cubicBezTo>
+                  <a:pt x="5709006" y="5514091"/>
+                  <a:pt x="5064377" y="5669332"/>
+                  <a:pt x="4383489" y="5669332"/>
+                </a:cubicBezTo>
+                <a:cubicBezTo>
+                  <a:pt x="1962555" y="5669332"/>
+                  <a:pt x="0" y="3706777"/>
+                  <a:pt x="0" y="1285843"/>
+                </a:cubicBezTo>
+                <a:cubicBezTo>
+                  <a:pt x="0" y="907572"/>
+                  <a:pt x="47914" y="540492"/>
+                  <a:pt x="138004" y="190341"/>
+                </a:cubicBezTo>
+                <a:lnTo>
+                  <a:pt x="192054" y="0"/>
+                </a:lnTo>
+                <a:close/>
+              </a:path>
+            </a:pathLst>
+          </a:custGeom>
+          <a:solidFill>
+            <a:schemeClr val="tx2">
+              <a:lumMod val="60000"/>
+              <a:lumOff val="40000"/>
+            </a:schemeClr>
+          </a:solidFill>
+          <a:ln>
+            <a:noFill/>
+          </a:ln>
+        </p:spPr>
+        <p:style>
+          <a:lnRef idx="2">
+            <a:schemeClr val="accent1">
+              <a:shade val="50000"/>
+            </a:schemeClr>
+          </a:lnRef>
+          <a:fillRef idx="1">
+            <a:schemeClr val="accent1"/>
+          </a:fillRef>
+          <a:effectRef idx="0">
+            <a:schemeClr val="accent1"/>
+          </a:effectRef>
+          <a:fontRef idx="minor">
+            <a:schemeClr val="lt1"/>
+          </a:fontRef>
+        </p:style>
+        <p:txBody>
+          <a:bodyPr rtlCol="0" anchor="ctr"/>
+          <a:lstStyle/>
+          <a:p>
+            <a:pPr algn="ctr"/>
+            <a:endParaRPr lang="en-US"/>
+          </a:p>
+        </p:txBody>
+      </p:sp>
+      <p:sp>
+        <p:nvSpPr>
+          <p:cNvPr id="5" name="Freeform: Shape 46">
+            <a:extLst>
+              <a:ext uri="{FF2B5EF4-FFF2-40B4-BE49-F238E27FC236}">
+                <a16:creationId xmlns:a16="http://schemas.microsoft.com/office/drawing/2014/main" id="{DA7CAE21-EA1C-4281-9B8D-2964F884E750}"/>
+              </a:ext>
+            </a:extLst>
+          </p:cNvPr>
+          <p:cNvSpPr/>
+          <p:nvPr/>
+        </p:nvSpPr>
+        <p:spPr>
+          <a:xfrm>
+            <a:off x="7466012" y="1"/>
+            <a:ext cx="4709798" cy="4190999"/>
+          </a:xfrm>
+          <a:custGeom>
+            <a:avLst/>
+            <a:gdLst>
+              <a:gd name="connsiteX0" fmla="*/ 192054 w 6304084"/>
+              <a:gd name="connsiteY0" fmla="*/ 0 h 5669332"/>
+              <a:gd name="connsiteX1" fmla="*/ 6304084 w 6304084"/>
+              <a:gd name="connsiteY1" fmla="*/ 0 h 5669332"/>
+              <a:gd name="connsiteX2" fmla="*/ 6304084 w 6304084"/>
+              <a:gd name="connsiteY2" fmla="*/ 5226741 h 5669332"/>
+              <a:gd name="connsiteX3" fmla="*/ 6283913 w 6304084"/>
+              <a:gd name="connsiteY3" fmla="*/ 5237072 h 5669332"/>
+              <a:gd name="connsiteX4" fmla="*/ 4383489 w 6304084"/>
+              <a:gd name="connsiteY4" fmla="*/ 5669332 h 5669332"/>
+              <a:gd name="connsiteX5" fmla="*/ 0 w 6304084"/>
+              <a:gd name="connsiteY5" fmla="*/ 1285843 h 5669332"/>
+              <a:gd name="connsiteX6" fmla="*/ 138004 w 6304084"/>
+              <a:gd name="connsiteY6" fmla="*/ 190341 h 5669332"/>
+              <a:gd name="connsiteX7" fmla="*/ 192054 w 6304084"/>
+              <a:gd name="connsiteY7" fmla="*/ 0 h 5669332"/>
+            </a:gdLst>
+            <a:ahLst/>
+            <a:cxnLst>
+              <a:cxn ang="0">
+                <a:pos x="connsiteX0" y="connsiteY0"/>
+              </a:cxn>
+              <a:cxn ang="0">
+                <a:pos x="connsiteX1" y="connsiteY1"/>
+              </a:cxn>
+              <a:cxn ang="0">
+                <a:pos x="connsiteX2" y="connsiteY2"/>
+              </a:cxn>
+              <a:cxn ang="0">
+                <a:pos x="connsiteX3" y="connsiteY3"/>
+              </a:cxn>
+              <a:cxn ang="0">
+                <a:pos x="connsiteX4" y="connsiteY4"/>
+              </a:cxn>
+              <a:cxn ang="0">
+                <a:pos x="connsiteX5" y="connsiteY5"/>
+              </a:cxn>
+              <a:cxn ang="0">
+                <a:pos x="connsiteX6" y="connsiteY6"/>
+              </a:cxn>
+              <a:cxn ang="0">
+                <a:pos x="connsiteX7" y="connsiteY7"/>
+              </a:cxn>
+            </a:cxnLst>
+            <a:rect l="l" t="t" r="r" b="b"/>
+            <a:pathLst>
+              <a:path w="6304084" h="5669332">
+                <a:moveTo>
+                  <a:pt x="192054" y="0"/>
+                </a:moveTo>
+                <a:lnTo>
+                  <a:pt x="6304084" y="0"/>
+                </a:lnTo>
+                <a:lnTo>
+                  <a:pt x="6304084" y="5226741"/>
+                </a:lnTo>
+                <a:lnTo>
+                  <a:pt x="6283913" y="5237072"/>
+                </a:lnTo>
+                <a:cubicBezTo>
+                  <a:pt x="5709006" y="5514091"/>
+                  <a:pt x="5064377" y="5669332"/>
+                  <a:pt x="4383489" y="5669332"/>
+                </a:cubicBezTo>
+                <a:cubicBezTo>
+                  <a:pt x="1962555" y="5669332"/>
+                  <a:pt x="0" y="3706777"/>
+                  <a:pt x="0" y="1285843"/>
+                </a:cubicBezTo>
+                <a:cubicBezTo>
+                  <a:pt x="0" y="907572"/>
+                  <a:pt x="47914" y="540492"/>
+                  <a:pt x="138004" y="190341"/>
+                </a:cubicBezTo>
+                <a:lnTo>
+                  <a:pt x="192054" y="0"/>
+                </a:lnTo>
+                <a:close/>
+              </a:path>
+            </a:pathLst>
+          </a:custGeom>
+          <a:solidFill>
+            <a:schemeClr val="accent6"/>
+          </a:solidFill>
+          <a:ln>
+            <a:noFill/>
+          </a:ln>
+        </p:spPr>
+        <p:style>
+          <a:lnRef idx="2">
+            <a:schemeClr val="accent1">
+              <a:shade val="50000"/>
+            </a:schemeClr>
+          </a:lnRef>
+          <a:fillRef idx="1">
+            <a:schemeClr val="accent1"/>
+          </a:fillRef>
+          <a:effectRef idx="0">
+            <a:schemeClr val="accent1"/>
+          </a:effectRef>
+          <a:fontRef idx="minor">
+            <a:schemeClr val="lt1"/>
+          </a:fontRef>
+        </p:style>
+        <p:txBody>
+          <a:bodyPr rtlCol="0" anchor="ctr"/>
+          <a:lstStyle/>
+          <a:p>
+            <a:pPr algn="ctr"/>
+            <a:endParaRPr lang="en-US"/>
+          </a:p>
+        </p:txBody>
+      </p:sp>
+    </p:spTree>
+    <p:extLst>
+      <p:ext uri="{BB962C8B-B14F-4D97-AF65-F5344CB8AC3E}">
+        <p14:creationId xmlns:p14="http://schemas.microsoft.com/office/powerpoint/2010/main" val="3333204457"/>
+      </p:ext>
+    </p:extLst>
+  </p:cSld>
+  <p:clrMapOvr>
+    <a:masterClrMapping/>
+  </p:clrMapOvr>
 </p:sld>
 </file>
 
